--- a/strings_in_cpp.pptx
+++ b/strings_in_cpp.pptx
@@ -3126,7 +3126,7 @@
             <a:r>
               <a:rPr sz="4800" b="1" i="0" u="none">
                 <a:solidFill>
-                  <a:srgbClr val="000000"/>
+                  <a:srgbClr val="00FFFF"/>
                 </a:solidFill>
                 <a:latin typeface="Segoe UI Light"/>
               </a:rPr>
@@ -3161,7 +3161,7 @@
             <a:r>
               <a:rPr sz="3200" b="0" i="0" u="none">
                 <a:solidFill>
-                  <a:srgbClr val="000000"/>
+                  <a:srgbClr val="BB86FC"/>
                 </a:solidFill>
                 <a:latin typeface="Segoe UI"/>
               </a:rPr>
@@ -3196,7 +3196,7 @@
             <a:r>
               <a:rPr sz="1800" b="0" i="0" u="none">
                 <a:solidFill>
-                  <a:srgbClr val="000000"/>
+                  <a:srgbClr val="E0E0E0"/>
                 </a:solidFill>
                 <a:latin typeface="Segoe UI"/>
               </a:rPr>
@@ -3231,7 +3231,7 @@
             <a:r>
               <a:rPr sz="3600" b="1" i="0" u="none">
                 <a:solidFill>
-                  <a:srgbClr val="000000"/>
+                  <a:srgbClr val="00FFFF"/>
                 </a:solidFill>
                 <a:latin typeface="Consolas"/>
               </a:rPr>
@@ -3266,7 +3266,7 @@
             <a:r>
               <a:rPr sz="3600" b="1" i="0" u="none">
                 <a:solidFill>
-                  <a:srgbClr val="000000"/>
+                  <a:srgbClr val="40FFFF"/>
                 </a:solidFill>
                 <a:latin typeface="Consolas"/>
               </a:rPr>
@@ -3301,7 +3301,7 @@
             <a:r>
               <a:rPr sz="3600" b="1" i="0" u="none">
                 <a:solidFill>
-                  <a:srgbClr val="000000"/>
+                  <a:srgbClr val="80FFFF"/>
                 </a:solidFill>
                 <a:latin typeface="Consolas"/>
               </a:rPr>
@@ -3336,7 +3336,7 @@
             <a:r>
               <a:rPr sz="3600" b="1" i="0" u="none">
                 <a:solidFill>
-                  <a:srgbClr val="000000"/>
+                  <a:srgbClr val="00BFFF"/>
                 </a:solidFill>
                 <a:latin typeface="Consolas"/>
               </a:rPr>
@@ -3371,7 +3371,7 @@
             <a:r>
               <a:rPr sz="3600" b="1" i="0" u="none">
                 <a:solidFill>
-                  <a:srgbClr val="000000"/>
+                  <a:srgbClr val="40BFFF"/>
                 </a:solidFill>
                 <a:latin typeface="Consolas"/>
               </a:rPr>
@@ -3406,7 +3406,7 @@
             <a:r>
               <a:rPr sz="3600" b="1" i="0" u="none">
                 <a:solidFill>
-                  <a:srgbClr val="000000"/>
+                  <a:srgbClr val="80BFFF"/>
                 </a:solidFill>
                 <a:latin typeface="Consolas"/>
               </a:rPr>
@@ -3450,7 +3450,7 @@
             <a:avLst/>
           </a:prstGeom>
           <a:solidFill>
-            <a:srgbClr val="000000"/>
+            <a:srgbClr val="252525"/>
           </a:solidFill>
           <a:ln w="12700">
             <a:solidFill>
@@ -3495,7 +3495,7 @@
             <a:avLst/>
           </a:prstGeom>
           <a:solidFill>
-            <a:srgbClr val="000000"/>
+            <a:srgbClr val="252525"/>
           </a:solidFill>
           <a:ln w="12700">
             <a:solidFill>
@@ -3557,7 +3557,7 @@
             <a:r>
               <a:rPr sz="4000" b="1" i="0" u="none">
                 <a:solidFill>
-                  <a:srgbClr val="000000"/>
+                  <a:srgbClr val="00FFFF"/>
                 </a:solidFill>
                 <a:latin typeface="Segoe UI Light"/>
               </a:rPr>
@@ -3592,7 +3592,7 @@
             <a:r>
               <a:rPr sz="2000" b="0" i="0" u="none">
                 <a:solidFill>
-                  <a:srgbClr val="000000"/>
+                  <a:srgbClr val="E0E0E0"/>
                 </a:solidFill>
                 <a:latin typeface="Segoe UI"/>
               </a:rPr>
@@ -3616,11 +3616,11 @@
             <a:avLst/>
           </a:prstGeom>
           <a:solidFill>
-            <a:srgbClr val="000000"/>
+            <a:srgbClr val="2D2D2D"/>
           </a:solidFill>
           <a:ln w="12700">
             <a:solidFill>
-              <a:srgbClr val="000000"/>
+              <a:srgbClr val="00FFFF"/>
             </a:solidFill>
           </a:ln>
         </p:spPr>
@@ -3672,7 +3672,7 @@
             <a:r>
               <a:rPr sz="2200" b="1" i="0" u="none">
                 <a:solidFill>
-                  <a:srgbClr val="000000"/>
+                  <a:srgbClr val="00FFFF"/>
                 </a:solidFill>
                 <a:latin typeface="Segoe UI"/>
               </a:rPr>
@@ -3718,7 +3718,7 @@
             <a:r>
               <a:rPr sz="1600">
                 <a:solidFill>
-                  <a:srgbClr val="000000"/>
+                  <a:srgbClr val="03DAC6"/>
                 </a:solidFill>
                 <a:latin typeface="Consolas"/>
               </a:rPr>
@@ -3742,11 +3742,11 @@
             <a:avLst/>
           </a:prstGeom>
           <a:solidFill>
-            <a:srgbClr val="000000"/>
+            <a:srgbClr val="2D2D2D"/>
           </a:solidFill>
           <a:ln w="19050">
             <a:solidFill>
-              <a:srgbClr val="000000"/>
+              <a:srgbClr val="00FFFF"/>
             </a:solidFill>
           </a:ln>
         </p:spPr>
@@ -3772,7 +3772,7 @@
             <a:r>
               <a:rPr sz="1600" b="0" i="0" u="none">
                 <a:solidFill>
-                  <a:srgbClr val="000000"/>
+                  <a:srgbClr val="FFFFFF"/>
                 </a:solidFill>
                 <a:latin typeface="Consolas"/>
               </a:rPr>
@@ -3796,11 +3796,11 @@
             <a:avLst/>
           </a:prstGeom>
           <a:solidFill>
-            <a:srgbClr val="000000"/>
+            <a:srgbClr val="2D2D2D"/>
           </a:solidFill>
           <a:ln w="19050">
             <a:solidFill>
-              <a:srgbClr val="000000"/>
+              <a:srgbClr val="00FFFF"/>
             </a:solidFill>
           </a:ln>
         </p:spPr>
@@ -3826,7 +3826,7 @@
             <a:r>
               <a:rPr sz="1600" b="0" i="0" u="none">
                 <a:solidFill>
-                  <a:srgbClr val="000000"/>
+                  <a:srgbClr val="FFFFFF"/>
                 </a:solidFill>
                 <a:latin typeface="Consolas"/>
               </a:rPr>
@@ -3850,11 +3850,11 @@
             <a:avLst/>
           </a:prstGeom>
           <a:solidFill>
-            <a:srgbClr val="000000"/>
+            <a:srgbClr val="2D2D2D"/>
           </a:solidFill>
           <a:ln w="19050">
             <a:solidFill>
-              <a:srgbClr val="000000"/>
+              <a:srgbClr val="00FFFF"/>
             </a:solidFill>
           </a:ln>
         </p:spPr>
@@ -3880,7 +3880,7 @@
             <a:r>
               <a:rPr sz="1600" b="0" i="0" u="none">
                 <a:solidFill>
-                  <a:srgbClr val="000000"/>
+                  <a:srgbClr val="FFFFFF"/>
                 </a:solidFill>
                 <a:latin typeface="Consolas"/>
               </a:rPr>
@@ -3904,11 +3904,11 @@
             <a:avLst/>
           </a:prstGeom>
           <a:solidFill>
-            <a:srgbClr val="000000"/>
+            <a:srgbClr val="2D2D2D"/>
           </a:solidFill>
           <a:ln w="19050">
             <a:solidFill>
-              <a:srgbClr val="000000"/>
+              <a:srgbClr val="00FFFF"/>
             </a:solidFill>
           </a:ln>
         </p:spPr>
@@ -3934,7 +3934,7 @@
             <a:r>
               <a:rPr sz="1600" b="0" i="0" u="none">
                 <a:solidFill>
-                  <a:srgbClr val="000000"/>
+                  <a:srgbClr val="FFFFFF"/>
                 </a:solidFill>
                 <a:latin typeface="Consolas"/>
               </a:rPr>
@@ -3958,11 +3958,11 @@
             <a:avLst/>
           </a:prstGeom>
           <a:solidFill>
-            <a:srgbClr val="000000"/>
+            <a:srgbClr val="2D2D2D"/>
           </a:solidFill>
           <a:ln w="19050">
             <a:solidFill>
-              <a:srgbClr val="000000"/>
+              <a:srgbClr val="00FFFF"/>
             </a:solidFill>
           </a:ln>
         </p:spPr>
@@ -3988,7 +3988,7 @@
             <a:r>
               <a:rPr sz="1600" b="0" i="0" u="none">
                 <a:solidFill>
-                  <a:srgbClr val="000000"/>
+                  <a:srgbClr val="FFFFFF"/>
                 </a:solidFill>
                 <a:latin typeface="Consolas"/>
               </a:rPr>
@@ -4012,11 +4012,11 @@
             <a:avLst/>
           </a:prstGeom>
           <a:solidFill>
-            <a:srgbClr val="000000"/>
+            <a:srgbClr val="2D2D2D"/>
           </a:solidFill>
           <a:ln w="19050">
             <a:solidFill>
-              <a:srgbClr val="000000"/>
+              <a:srgbClr val="00FFFF"/>
             </a:solidFill>
           </a:ln>
         </p:spPr>
@@ -4042,7 +4042,7 @@
             <a:r>
               <a:rPr sz="1600" b="0" i="0" u="none">
                 <a:solidFill>
-                  <a:srgbClr val="000000"/>
+                  <a:srgbClr val="FF7597"/>
                 </a:solidFill>
                 <a:latin typeface="Consolas"/>
               </a:rPr>
@@ -4077,7 +4077,7 @@
             <a:r>
               <a:rPr sz="1400" b="0" i="1" u="none">
                 <a:solidFill>
-                  <a:srgbClr val="000000"/>
+                  <a:srgbClr val="E0E0E0"/>
                 </a:solidFill>
                 <a:latin typeface="Segoe UI"/>
               </a:rPr>
@@ -4101,11 +4101,11 @@
             <a:avLst/>
           </a:prstGeom>
           <a:solidFill>
-            <a:srgbClr val="000000"/>
+            <a:srgbClr val="2D2D2D"/>
           </a:solidFill>
           <a:ln w="12700">
             <a:solidFill>
-              <a:srgbClr val="000000"/>
+              <a:srgbClr val="BB86FC"/>
             </a:solidFill>
           </a:ln>
         </p:spPr>
@@ -4157,7 +4157,7 @@
             <a:r>
               <a:rPr sz="2200" b="1" i="0" u="none">
                 <a:solidFill>
-                  <a:srgbClr val="000000"/>
+                  <a:srgbClr val="BB86FC"/>
                 </a:solidFill>
                 <a:latin typeface="Segoe UI"/>
               </a:rPr>
@@ -4203,7 +4203,7 @@
             <a:r>
               <a:rPr sz="1600">
                 <a:solidFill>
-                  <a:srgbClr val="000000"/>
+                  <a:srgbClr val="03DAC6"/>
                 </a:solidFill>
                 <a:latin typeface="Consolas"/>
               </a:rPr>
@@ -4238,7 +4238,7 @@
             <a:r>
               <a:rPr sz="1600" b="0" i="0" u="none">
                 <a:solidFill>
-                  <a:srgbClr val="000000"/>
+                  <a:srgbClr val="E0E0E0"/>
                 </a:solidFill>
                 <a:latin typeface="Segoe UI"/>
               </a:rPr>
@@ -4250,7 +4250,7 @@
             <a:r>
               <a:rPr sz="1600" b="0" i="0" u="none">
                 <a:solidFill>
-                  <a:srgbClr val="000000"/>
+                  <a:srgbClr val="E0E0E0"/>
                 </a:solidFill>
                 <a:latin typeface="Segoe UI"/>
               </a:rPr>
@@ -4262,7 +4262,7 @@
             <a:r>
               <a:rPr sz="1600" b="0" i="0" u="none">
                 <a:solidFill>
-                  <a:srgbClr val="000000"/>
+                  <a:srgbClr val="E0E0E0"/>
                 </a:solidFill>
                 <a:latin typeface="Segoe UI"/>
               </a:rPr>
@@ -4274,7 +4274,7 @@
             <a:r>
               <a:rPr sz="1600" b="0" i="0" u="none">
                 <a:solidFill>
-                  <a:srgbClr val="000000"/>
+                  <a:srgbClr val="E0E0E0"/>
                 </a:solidFill>
                 <a:latin typeface="Segoe UI"/>
               </a:rPr>
@@ -4286,7 +4286,7 @@
             <a:r>
               <a:rPr sz="1600" b="0" i="0" u="none">
                 <a:solidFill>
-                  <a:srgbClr val="000000"/>
+                  <a:srgbClr val="E0E0E0"/>
                 </a:solidFill>
                 <a:latin typeface="Segoe UI"/>
               </a:rPr>
@@ -4321,7 +4321,7 @@
             <a:r>
               <a:rPr sz="1600" b="0" i="1" u="none">
                 <a:solidFill>
-                  <a:srgbClr val="000000"/>
+                  <a:srgbClr val="E0E0E0"/>
                 </a:solidFill>
                 <a:latin typeface="Segoe UI"/>
               </a:rPr>
@@ -4382,7 +4382,7 @@
             <a:r>
               <a:rPr sz="4000" b="1" i="0" u="none">
                 <a:solidFill>
-                  <a:srgbClr val="000000"/>
+                  <a:srgbClr val="00FFFF"/>
                 </a:solidFill>
                 <a:latin typeface="Segoe UI Light"/>
               </a:rPr>
@@ -4417,7 +4417,7 @@
             <a:r>
               <a:rPr sz="2400" b="1" i="0" u="none">
                 <a:solidFill>
-                  <a:srgbClr val="000000"/>
+                  <a:srgbClr val="00FFFF"/>
                 </a:solidFill>
                 <a:latin typeface="Segoe UI"/>
               </a:rPr>
@@ -4452,7 +4452,7 @@
             <a:r>
               <a:rPr sz="1800" b="0" i="0" u="none">
                 <a:solidFill>
-                  <a:srgbClr val="000000"/>
+                  <a:srgbClr val="E0E0E0"/>
                 </a:solidFill>
                 <a:latin typeface="Segoe UI"/>
               </a:rPr>
@@ -4464,7 +4464,7 @@
             <a:r>
               <a:rPr sz="1800" b="0" i="0" u="none">
                 <a:solidFill>
-                  <a:srgbClr val="000000"/>
+                  <a:srgbClr val="E0E0E0"/>
                 </a:solidFill>
                 <a:latin typeface="Segoe UI"/>
               </a:rPr>
@@ -4476,7 +4476,7 @@
             <a:r>
               <a:rPr sz="1800" b="0" i="0" u="none">
                 <a:solidFill>
-                  <a:srgbClr val="000000"/>
+                  <a:srgbClr val="E0E0E0"/>
                 </a:solidFill>
                 <a:latin typeface="Segoe UI"/>
               </a:rPr>
@@ -4488,7 +4488,7 @@
             <a:r>
               <a:rPr sz="1800" b="0" i="0" u="none">
                 <a:solidFill>
-                  <a:srgbClr val="000000"/>
+                  <a:srgbClr val="E0E0E0"/>
                 </a:solidFill>
                 <a:latin typeface="Segoe UI"/>
               </a:rPr>
@@ -4512,11 +4512,11 @@
             <a:avLst/>
           </a:prstGeom>
           <a:solidFill>
-            <a:srgbClr val="000000"/>
+            <a:srgbClr val="2D2D2D"/>
           </a:solidFill>
           <a:ln w="19050">
             <a:solidFill>
-              <a:srgbClr val="000000"/>
+              <a:srgbClr val="00FFFF"/>
             </a:solidFill>
           </a:ln>
         </p:spPr>
@@ -4542,7 +4542,7 @@
             <a:r>
               <a:rPr sz="1600" b="0" i="0" u="none">
                 <a:solidFill>
-                  <a:srgbClr val="000000"/>
+                  <a:srgbClr val="FFFFFF"/>
                 </a:solidFill>
                 <a:latin typeface="Consolas"/>
               </a:rPr>
@@ -4566,11 +4566,11 @@
             <a:avLst/>
           </a:prstGeom>
           <a:solidFill>
-            <a:srgbClr val="000000"/>
+            <a:srgbClr val="2D2D2D"/>
           </a:solidFill>
           <a:ln w="19050">
             <a:solidFill>
-              <a:srgbClr val="000000"/>
+              <a:srgbClr val="00FFFF"/>
             </a:solidFill>
           </a:ln>
         </p:spPr>
@@ -4596,7 +4596,7 @@
             <a:r>
               <a:rPr sz="1600" b="0" i="0" u="none">
                 <a:solidFill>
-                  <a:srgbClr val="000000"/>
+                  <a:srgbClr val="FFFFFF"/>
                 </a:solidFill>
                 <a:latin typeface="Consolas"/>
               </a:rPr>
@@ -4620,11 +4620,11 @@
             <a:avLst/>
           </a:prstGeom>
           <a:solidFill>
-            <a:srgbClr val="000000"/>
+            <a:srgbClr val="2D2D2D"/>
           </a:solidFill>
           <a:ln w="19050">
             <a:solidFill>
-              <a:srgbClr val="000000"/>
+              <a:srgbClr val="00FFFF"/>
             </a:solidFill>
           </a:ln>
         </p:spPr>
@@ -4650,7 +4650,7 @@
             <a:r>
               <a:rPr sz="1600" b="0" i="0" u="none">
                 <a:solidFill>
-                  <a:srgbClr val="000000"/>
+                  <a:srgbClr val="FFFFFF"/>
                 </a:solidFill>
                 <a:latin typeface="Consolas"/>
               </a:rPr>
@@ -4674,11 +4674,11 @@
             <a:avLst/>
           </a:prstGeom>
           <a:solidFill>
-            <a:srgbClr val="000000"/>
+            <a:srgbClr val="2D2D2D"/>
           </a:solidFill>
           <a:ln w="19050">
             <a:solidFill>
-              <a:srgbClr val="000000"/>
+              <a:srgbClr val="00FFFF"/>
             </a:solidFill>
           </a:ln>
         </p:spPr>
@@ -4704,7 +4704,7 @@
             <a:r>
               <a:rPr sz="1600" b="0" i="0" u="none">
                 <a:solidFill>
-                  <a:srgbClr val="000000"/>
+                  <a:srgbClr val="FFFFFF"/>
                 </a:solidFill>
                 <a:latin typeface="Consolas"/>
               </a:rPr>
@@ -4728,11 +4728,11 @@
             <a:avLst/>
           </a:prstGeom>
           <a:solidFill>
-            <a:srgbClr val="000000"/>
+            <a:srgbClr val="2D2D2D"/>
           </a:solidFill>
           <a:ln w="19050">
             <a:solidFill>
-              <a:srgbClr val="000000"/>
+              <a:srgbClr val="00FFFF"/>
             </a:solidFill>
           </a:ln>
         </p:spPr>
@@ -4758,7 +4758,7 @@
             <a:r>
               <a:rPr sz="1600" b="0" i="0" u="none">
                 <a:solidFill>
-                  <a:srgbClr val="000000"/>
+                  <a:srgbClr val="FFFFFF"/>
                 </a:solidFill>
                 <a:latin typeface="Consolas"/>
               </a:rPr>
@@ -4782,11 +4782,11 @@
             <a:avLst/>
           </a:prstGeom>
           <a:solidFill>
-            <a:srgbClr val="000000"/>
+            <a:srgbClr val="2D2D2D"/>
           </a:solidFill>
           <a:ln w="19050">
             <a:solidFill>
-              <a:srgbClr val="000000"/>
+              <a:srgbClr val="00FFFF"/>
             </a:solidFill>
           </a:ln>
         </p:spPr>
@@ -4812,7 +4812,7 @@
             <a:r>
               <a:rPr sz="1600" b="0" i="0" u="none">
                 <a:solidFill>
-                  <a:srgbClr val="000000"/>
+                  <a:srgbClr val="FF7597"/>
                 </a:solidFill>
                 <a:latin typeface="Consolas"/>
               </a:rPr>
@@ -4836,11 +4836,11 @@
             <a:avLst/>
           </a:prstGeom>
           <a:solidFill>
-            <a:srgbClr val="000000"/>
+            <a:srgbClr val="2D2D2D"/>
           </a:solidFill>
           <a:ln w="19050">
             <a:solidFill>
-              <a:srgbClr val="000000"/>
+              <a:srgbClr val="F44336"/>
             </a:solidFill>
           </a:ln>
         </p:spPr>
@@ -4866,7 +4866,7 @@
             <a:r>
               <a:rPr sz="1600" b="0" i="0" u="none">
                 <a:solidFill>
-                  <a:srgbClr val="000000"/>
+                  <a:srgbClr val="F44336"/>
                 </a:solidFill>
                 <a:latin typeface="Consolas"/>
               </a:rPr>
@@ -4890,11 +4890,11 @@
             <a:avLst/>
           </a:prstGeom>
           <a:solidFill>
-            <a:srgbClr val="000000"/>
+            <a:srgbClr val="2D2D2D"/>
           </a:solidFill>
           <a:ln w="19050">
             <a:solidFill>
-              <a:srgbClr val="000000"/>
+              <a:srgbClr val="F44336"/>
             </a:solidFill>
           </a:ln>
         </p:spPr>
@@ -4920,7 +4920,7 @@
             <a:r>
               <a:rPr sz="1600" b="0" i="0" u="none">
                 <a:solidFill>
-                  <a:srgbClr val="000000"/>
+                  <a:srgbClr val="F44336"/>
                 </a:solidFill>
                 <a:latin typeface="Consolas"/>
               </a:rPr>
@@ -4979,11 +4979,11 @@
             <a:avLst/>
           </a:prstGeom>
           <a:solidFill>
-            <a:srgbClr val="000000"/>
+            <a:srgbClr val="F44336"/>
           </a:solidFill>
           <a:ln w="12700">
             <a:solidFill>
-              <a:srgbClr val="000000"/>
+              <a:srgbClr val="F44336"/>
             </a:solidFill>
           </a:ln>
         </p:spPr>
@@ -5035,7 +5035,7 @@
             <a:r>
               <a:rPr sz="2400" b="1" i="0" u="none">
                 <a:solidFill>
-                  <a:srgbClr val="000000"/>
+                  <a:srgbClr val="BB86FC"/>
                 </a:solidFill>
                 <a:latin typeface="Segoe UI"/>
               </a:rPr>
@@ -5070,7 +5070,7 @@
             <a:r>
               <a:rPr sz="1800" b="0" i="0" u="none">
                 <a:solidFill>
-                  <a:srgbClr val="000000"/>
+                  <a:srgbClr val="E0E0E0"/>
                 </a:solidFill>
                 <a:latin typeface="Segoe UI"/>
               </a:rPr>
@@ -5082,7 +5082,7 @@
             <a:r>
               <a:rPr sz="1800" b="0" i="0" u="none">
                 <a:solidFill>
-                  <a:srgbClr val="000000"/>
+                  <a:srgbClr val="E0E0E0"/>
                 </a:solidFill>
                 <a:latin typeface="Segoe UI"/>
               </a:rPr>
@@ -5094,7 +5094,7 @@
             <a:r>
               <a:rPr sz="1800" b="0" i="0" u="none">
                 <a:solidFill>
-                  <a:srgbClr val="000000"/>
+                  <a:srgbClr val="E0E0E0"/>
                 </a:solidFill>
                 <a:latin typeface="Segoe UI"/>
               </a:rPr>
@@ -5106,7 +5106,7 @@
             <a:r>
               <a:rPr sz="1800" b="0" i="0" u="none">
                 <a:solidFill>
-                  <a:srgbClr val="000000"/>
+                  <a:srgbClr val="E0E0E0"/>
                 </a:solidFill>
                 <a:latin typeface="Segoe UI"/>
               </a:rPr>
@@ -5130,11 +5130,11 @@
             <a:avLst/>
           </a:prstGeom>
           <a:solidFill>
-            <a:srgbClr val="000000"/>
+            <a:srgbClr val="2D2D2D"/>
           </a:solidFill>
           <a:ln w="25400">
             <a:solidFill>
-              <a:srgbClr val="000000"/>
+              <a:srgbClr val="BB86FC"/>
             </a:solidFill>
           </a:ln>
         </p:spPr>
@@ -5186,7 +5186,7 @@
             <a:r>
               <a:rPr sz="1200" b="1" i="0" u="none">
                 <a:solidFill>
-                  <a:srgbClr val="000000"/>
+                  <a:srgbClr val="BB86FC"/>
                 </a:solidFill>
                 <a:latin typeface="Segoe UI"/>
               </a:rPr>
@@ -5210,11 +5210,11 @@
             <a:avLst/>
           </a:prstGeom>
           <a:solidFill>
-            <a:srgbClr val="000000"/>
+            <a:srgbClr val="2D2D2D"/>
           </a:solidFill>
           <a:ln w="9525">
             <a:solidFill>
-              <a:srgbClr val="000000"/>
+              <a:srgbClr val="BB86FC"/>
             </a:solidFill>
           </a:ln>
         </p:spPr>
@@ -5240,7 +5240,7 @@
             <a:r>
               <a:rPr sz="1200" b="0" i="0" u="none">
                 <a:solidFill>
-                  <a:srgbClr val="000000"/>
+                  <a:srgbClr val="FFFFFF"/>
                 </a:solidFill>
                 <a:latin typeface="Consolas"/>
               </a:rPr>
@@ -5264,11 +5264,11 @@
             <a:avLst/>
           </a:prstGeom>
           <a:solidFill>
-            <a:srgbClr val="000000"/>
+            <a:srgbClr val="2D2D2D"/>
           </a:solidFill>
           <a:ln w="9525">
             <a:solidFill>
-              <a:srgbClr val="000000"/>
+              <a:srgbClr val="BB86FC"/>
             </a:solidFill>
           </a:ln>
         </p:spPr>
@@ -5294,7 +5294,7 @@
             <a:r>
               <a:rPr sz="1200" b="0" i="0" u="none">
                 <a:solidFill>
-                  <a:srgbClr val="000000"/>
+                  <a:srgbClr val="FFFFFF"/>
                 </a:solidFill>
                 <a:latin typeface="Consolas"/>
               </a:rPr>
@@ -5318,11 +5318,11 @@
             <a:avLst/>
           </a:prstGeom>
           <a:solidFill>
-            <a:srgbClr val="000000"/>
+            <a:srgbClr val="2D2D2D"/>
           </a:solidFill>
           <a:ln w="9525">
             <a:solidFill>
-              <a:srgbClr val="000000"/>
+              <a:srgbClr val="BB86FC"/>
             </a:solidFill>
           </a:ln>
         </p:spPr>
@@ -5348,7 +5348,7 @@
             <a:r>
               <a:rPr sz="1200" b="0" i="0" u="none">
                 <a:solidFill>
-                  <a:srgbClr val="000000"/>
+                  <a:srgbClr val="FFFFFF"/>
                 </a:solidFill>
                 <a:latin typeface="Consolas"/>
               </a:rPr>
@@ -5372,11 +5372,11 @@
             <a:avLst/>
           </a:prstGeom>
           <a:solidFill>
-            <a:srgbClr val="000000"/>
+            <a:srgbClr val="2D2D2D"/>
           </a:solidFill>
           <a:ln w="9525">
             <a:solidFill>
-              <a:srgbClr val="000000"/>
+              <a:srgbClr val="BB86FC"/>
             </a:solidFill>
           </a:ln>
         </p:spPr>
@@ -5402,7 +5402,7 @@
             <a:r>
               <a:rPr sz="1200" b="0" i="0" u="none">
                 <a:solidFill>
-                  <a:srgbClr val="000000"/>
+                  <a:srgbClr val="FFFFFF"/>
                 </a:solidFill>
                 <a:latin typeface="Consolas"/>
               </a:rPr>
@@ -5426,11 +5426,11 @@
             <a:avLst/>
           </a:prstGeom>
           <a:solidFill>
-            <a:srgbClr val="000000"/>
+            <a:srgbClr val="2D2D2D"/>
           </a:solidFill>
           <a:ln w="9525">
             <a:solidFill>
-              <a:srgbClr val="000000"/>
+              <a:srgbClr val="BB86FC"/>
             </a:solidFill>
           </a:ln>
         </p:spPr>
@@ -5456,7 +5456,7 @@
             <a:r>
               <a:rPr sz="1200" b="0" i="0" u="none">
                 <a:solidFill>
-                  <a:srgbClr val="000000"/>
+                  <a:srgbClr val="FFFFFF"/>
                 </a:solidFill>
                 <a:latin typeface="Consolas"/>
               </a:rPr>
@@ -5480,11 +5480,11 @@
             <a:avLst/>
           </a:prstGeom>
           <a:solidFill>
-            <a:srgbClr val="000000"/>
+            <a:srgbClr val="2D2D2D"/>
           </a:solidFill>
           <a:ln w="9525">
             <a:solidFill>
-              <a:srgbClr val="000000"/>
+              <a:srgbClr val="BB86FC"/>
             </a:solidFill>
           </a:ln>
         </p:spPr>
@@ -5510,7 +5510,7 @@
             <a:r>
               <a:rPr sz="1200" b="0" i="0" u="none">
                 <a:solidFill>
-                  <a:srgbClr val="000000"/>
+                  <a:srgbClr val="FF7597"/>
                 </a:solidFill>
                 <a:latin typeface="Consolas"/>
               </a:rPr>
@@ -5545,7 +5545,7 @@
             <a:r>
               <a:rPr sz="1600" b="0" i="1" u="none">
                 <a:solidFill>
-                  <a:srgbClr val="000000"/>
+                  <a:srgbClr val="E0E0E0"/>
                 </a:solidFill>
                 <a:latin typeface="Segoe UI"/>
               </a:rPr>
@@ -5606,7 +5606,7 @@
             <a:r>
               <a:rPr sz="4000" b="1" i="0" u="none">
                 <a:solidFill>
-                  <a:srgbClr val="000000"/>
+                  <a:srgbClr val="00FFFF"/>
                 </a:solidFill>
                 <a:latin typeface="Segoe UI Light"/>
               </a:rPr>
@@ -5721,7 +5721,7 @@
             <a:r>
               <a:rPr sz="2000" b="1" i="0" u="none">
                 <a:solidFill>
-                  <a:srgbClr val="000000"/>
+                  <a:srgbClr val="00FFFF"/>
                 </a:solidFill>
                 <a:latin typeface="Segoe UI"/>
               </a:rPr>
@@ -5756,7 +5756,7 @@
             <a:r>
               <a:rPr sz="2000" b="1" i="0" u="none">
                 <a:solidFill>
-                  <a:srgbClr val="000000"/>
+                  <a:srgbClr val="BB86FC"/>
                 </a:solidFill>
                 <a:latin typeface="Segoe UI"/>
               </a:rPr>
@@ -5791,7 +5791,7 @@
             <a:r>
               <a:rPr sz="1600" b="0" i="0" u="none">
                 <a:solidFill>
-                  <a:srgbClr val="000000"/>
+                  <a:srgbClr val="E0E0E0"/>
                 </a:solidFill>
                 <a:latin typeface="Consolas"/>
               </a:rPr>
@@ -5803,7 +5803,7 @@
             <a:r>
               <a:rPr sz="1600" b="0" i="0" u="none">
                 <a:solidFill>
-                  <a:srgbClr val="000000"/>
+                  <a:srgbClr val="E0E0E0"/>
                 </a:solidFill>
                 <a:latin typeface="Consolas"/>
               </a:rPr>
@@ -5815,7 +5815,7 @@
             <a:r>
               <a:rPr sz="1600" b="0" i="0" u="none">
                 <a:solidFill>
-                  <a:srgbClr val="000000"/>
+                  <a:srgbClr val="E0E0E0"/>
                 </a:solidFill>
                 <a:latin typeface="Consolas"/>
               </a:rPr>
@@ -5827,7 +5827,7 @@
             <a:r>
               <a:rPr sz="1600" b="0" i="0" u="none">
                 <a:solidFill>
-                  <a:srgbClr val="000000"/>
+                  <a:srgbClr val="E0E0E0"/>
                 </a:solidFill>
                 <a:latin typeface="Consolas"/>
               </a:rPr>
@@ -5839,7 +5839,7 @@
             <a:r>
               <a:rPr sz="1600" b="0" i="0" u="none">
                 <a:solidFill>
-                  <a:srgbClr val="000000"/>
+                  <a:srgbClr val="E0E0E0"/>
                 </a:solidFill>
                 <a:latin typeface="Consolas"/>
               </a:rPr>
@@ -5851,7 +5851,7 @@
             <a:r>
               <a:rPr sz="1600" b="0" i="0" u="none">
                 <a:solidFill>
-                  <a:srgbClr val="000000"/>
+                  <a:srgbClr val="E0E0E0"/>
                 </a:solidFill>
                 <a:latin typeface="Consolas"/>
               </a:rPr>
@@ -5863,7 +5863,7 @@
             <a:r>
               <a:rPr sz="1600" b="0" i="0" u="none">
                 <a:solidFill>
-                  <a:srgbClr val="000000"/>
+                  <a:srgbClr val="E0E0E0"/>
                 </a:solidFill>
                 <a:latin typeface="Consolas"/>
               </a:rPr>
@@ -5875,7 +5875,7 @@
             <a:r>
               <a:rPr sz="1600" b="0" i="0" u="none">
                 <a:solidFill>
-                  <a:srgbClr val="000000"/>
+                  <a:srgbClr val="E0E0E0"/>
                 </a:solidFill>
                 <a:latin typeface="Consolas"/>
               </a:rPr>
@@ -5887,7 +5887,7 @@
             <a:r>
               <a:rPr sz="1600" b="0" i="0" u="none">
                 <a:solidFill>
-                  <a:srgbClr val="000000"/>
+                  <a:srgbClr val="E0E0E0"/>
                 </a:solidFill>
                 <a:latin typeface="Consolas"/>
               </a:rPr>
@@ -5899,7 +5899,7 @@
             <a:r>
               <a:rPr sz="1600" b="0" i="0" u="none">
                 <a:solidFill>
-                  <a:srgbClr val="000000"/>
+                  <a:srgbClr val="E0E0E0"/>
                 </a:solidFill>
                 <a:latin typeface="Consolas"/>
               </a:rPr>
@@ -5937,7 +5937,7 @@
             <a:r>
               <a:rPr sz="1600" b="0" i="1" u="none">
                 <a:solidFill>
-                  <a:srgbClr val="000000"/>
+                  <a:srgbClr val="E0E0E0"/>
                 </a:solidFill>
                 <a:latin typeface="Segoe UI"/>
               </a:rPr>
@@ -5981,7 +5981,7 @@
             <a:avLst/>
           </a:prstGeom>
           <a:solidFill>
-            <a:srgbClr val="000000"/>
+            <a:srgbClr val="2D2D2D"/>
           </a:solidFill>
           <a:ln w="12700">
             <a:solidFill>
@@ -6026,7 +6026,7 @@
             <a:avLst/>
           </a:prstGeom>
           <a:solidFill>
-            <a:srgbClr val="000000"/>
+            <a:srgbClr val="2D2D2D"/>
           </a:solidFill>
           <a:ln w="12700">
             <a:solidFill>
@@ -6071,7 +6071,7 @@
             <a:avLst/>
           </a:prstGeom>
           <a:solidFill>
-            <a:srgbClr val="000000"/>
+            <a:srgbClr val="252525"/>
           </a:solidFill>
           <a:ln w="12700">
             <a:solidFill>
@@ -6116,7 +6116,7 @@
             <a:avLst/>
           </a:prstGeom>
           <a:solidFill>
-            <a:srgbClr val="000000"/>
+            <a:srgbClr val="252525"/>
           </a:solidFill>
           <a:ln w="12700">
             <a:solidFill>
@@ -6178,7 +6178,7 @@
             <a:r>
               <a:rPr sz="4000" b="1" i="0" u="none">
                 <a:solidFill>
-                  <a:srgbClr val="000000"/>
+                  <a:srgbClr val="00FFFF"/>
                 </a:solidFill>
                 <a:latin typeface="Segoe UI Light"/>
               </a:rPr>
@@ -6213,7 +6213,7 @@
             <a:r>
               <a:rPr sz="2800" b="1" i="0" u="none">
                 <a:solidFill>
-                  <a:srgbClr val="000000"/>
+                  <a:srgbClr val="03DAC6"/>
                 </a:solidFill>
                 <a:latin typeface="Segoe UI"/>
               </a:rPr>
@@ -6237,11 +6237,11 @@
             <a:avLst/>
           </a:prstGeom>
           <a:solidFill>
-            <a:srgbClr val="000000"/>
+            <a:srgbClr val="2D2D2D"/>
           </a:solidFill>
           <a:ln w="12700">
             <a:solidFill>
-              <a:srgbClr val="000000"/>
+              <a:srgbClr val="00FFFF"/>
             </a:solidFill>
           </a:ln>
         </p:spPr>
@@ -6293,7 +6293,7 @@
             <a:r>
               <a:rPr sz="1800" b="1" i="0" u="none">
                 <a:solidFill>
-                  <a:srgbClr val="000000"/>
+                  <a:srgbClr val="00FFFF"/>
                 </a:solidFill>
                 <a:latin typeface="Segoe UI"/>
               </a:rPr>
@@ -6339,7 +6339,7 @@
             <a:r>
               <a:rPr sz="1400">
                 <a:solidFill>
-                  <a:srgbClr val="000000"/>
+                  <a:srgbClr val="03DAC6"/>
                 </a:solidFill>
                 <a:latin typeface="Consolas"/>
               </a:rPr>
@@ -6349,7 +6349,7 @@
             <a:r>
               <a:rPr sz="1400">
                 <a:solidFill>
-                  <a:srgbClr val="000000"/>
+                  <a:srgbClr val="03DAC6"/>
                 </a:solidFill>
                 <a:latin typeface="Consolas"/>
               </a:rPr>
@@ -6359,7 +6359,7 @@
             <a:r>
               <a:rPr sz="1400">
                 <a:solidFill>
-                  <a:srgbClr val="000000"/>
+                  <a:srgbClr val="03DAC6"/>
                 </a:solidFill>
                 <a:latin typeface="Consolas"/>
               </a:rPr>
@@ -6369,7 +6369,7 @@
             <a:r>
               <a:rPr sz="1400">
                 <a:solidFill>
-                  <a:srgbClr val="000000"/>
+                  <a:srgbClr val="03DAC6"/>
                 </a:solidFill>
                 <a:latin typeface="Consolas"/>
               </a:rPr>
@@ -6379,7 +6379,7 @@
             <a:r>
               <a:rPr sz="1400">
                 <a:solidFill>
-                  <a:srgbClr val="000000"/>
+                  <a:srgbClr val="03DAC6"/>
                 </a:solidFill>
                 <a:latin typeface="Consolas"/>
               </a:rPr>
@@ -6404,11 +6404,11 @@
             <a:avLst/>
           </a:prstGeom>
           <a:solidFill>
-            <a:srgbClr val="000000"/>
+            <a:srgbClr val="2D2D2D"/>
           </a:solidFill>
           <a:ln w="12700">
             <a:solidFill>
-              <a:srgbClr val="000000"/>
+              <a:srgbClr val="BB86FC"/>
             </a:solidFill>
           </a:ln>
         </p:spPr>
@@ -6460,7 +6460,7 @@
             <a:r>
               <a:rPr sz="1800" b="1" i="0" u="none">
                 <a:solidFill>
-                  <a:srgbClr val="000000"/>
+                  <a:srgbClr val="BB86FC"/>
                 </a:solidFill>
                 <a:latin typeface="Segoe UI"/>
               </a:rPr>
@@ -6506,7 +6506,7 @@
             <a:r>
               <a:rPr sz="1400">
                 <a:solidFill>
-                  <a:srgbClr val="000000"/>
+                  <a:srgbClr val="03DAC6"/>
                 </a:solidFill>
                 <a:latin typeface="Consolas"/>
               </a:rPr>
@@ -6516,7 +6516,7 @@
             <a:r>
               <a:rPr sz="1400">
                 <a:solidFill>
-                  <a:srgbClr val="000000"/>
+                  <a:srgbClr val="03DAC6"/>
                 </a:solidFill>
                 <a:latin typeface="Consolas"/>
               </a:rPr>
@@ -6526,7 +6526,7 @@
             <a:r>
               <a:rPr sz="1400">
                 <a:solidFill>
-                  <a:srgbClr val="000000"/>
+                  <a:srgbClr val="03DAC6"/>
                 </a:solidFill>
                 <a:latin typeface="Consolas"/>
               </a:rPr>
@@ -6536,7 +6536,7 @@
             <a:r>
               <a:rPr sz="1400">
                 <a:solidFill>
-                  <a:srgbClr val="000000"/>
+                  <a:srgbClr val="03DAC6"/>
                 </a:solidFill>
                 <a:latin typeface="Consolas"/>
               </a:rPr>
@@ -6561,11 +6561,11 @@
             <a:avLst/>
           </a:prstGeom>
           <a:solidFill>
-            <a:srgbClr val="000000"/>
+            <a:srgbClr val="2D2D2D"/>
           </a:solidFill>
           <a:ln w="19050">
             <a:solidFill>
-              <a:srgbClr val="000000"/>
+              <a:srgbClr val="03DAC6"/>
             </a:solidFill>
           </a:ln>
         </p:spPr>
@@ -6591,7 +6591,7 @@
             <a:r>
               <a:rPr sz="2400" b="1" i="0" u="none">
                 <a:solidFill>
-                  <a:srgbClr val="000000"/>
+                  <a:srgbClr val="FFFFFF"/>
                 </a:solidFill>
                 <a:latin typeface="Consolas"/>
               </a:rPr>
@@ -6615,11 +6615,11 @@
             <a:avLst/>
           </a:prstGeom>
           <a:solidFill>
-            <a:srgbClr val="000000"/>
+            <a:srgbClr val="2D2D2D"/>
           </a:solidFill>
           <a:ln w="19050">
             <a:solidFill>
-              <a:srgbClr val="000000"/>
+              <a:srgbClr val="03DAC6"/>
             </a:solidFill>
           </a:ln>
         </p:spPr>
@@ -6645,7 +6645,7 @@
             <a:r>
               <a:rPr sz="2400" b="1" i="0" u="none">
                 <a:solidFill>
-                  <a:srgbClr val="000000"/>
+                  <a:srgbClr val="FFFFFF"/>
                 </a:solidFill>
                 <a:latin typeface="Consolas"/>
               </a:rPr>
@@ -6669,11 +6669,11 @@
             <a:avLst/>
           </a:prstGeom>
           <a:solidFill>
-            <a:srgbClr val="000000"/>
+            <a:srgbClr val="2D2D2D"/>
           </a:solidFill>
           <a:ln w="19050">
             <a:solidFill>
-              <a:srgbClr val="000000"/>
+              <a:srgbClr val="03DAC6"/>
             </a:solidFill>
           </a:ln>
         </p:spPr>
@@ -6699,7 +6699,7 @@
             <a:r>
               <a:rPr sz="2400" b="1" i="0" u="none">
                 <a:solidFill>
-                  <a:srgbClr val="000000"/>
+                  <a:srgbClr val="FFFFFF"/>
                 </a:solidFill>
                 <a:latin typeface="Consolas"/>
               </a:rPr>
@@ -6723,11 +6723,11 @@
             <a:avLst/>
           </a:prstGeom>
           <a:solidFill>
-            <a:srgbClr val="000000"/>
+            <a:srgbClr val="2D2D2D"/>
           </a:solidFill>
           <a:ln w="19050">
             <a:solidFill>
-              <a:srgbClr val="000000"/>
+              <a:srgbClr val="03DAC6"/>
             </a:solidFill>
           </a:ln>
         </p:spPr>
@@ -6753,7 +6753,7 @@
             <a:r>
               <a:rPr sz="2400" b="1" i="0" u="none">
                 <a:solidFill>
-                  <a:srgbClr val="000000"/>
+                  <a:srgbClr val="FFFFFF"/>
                 </a:solidFill>
                 <a:latin typeface="Consolas"/>
               </a:rPr>
@@ -6777,11 +6777,11 @@
             <a:avLst/>
           </a:prstGeom>
           <a:solidFill>
-            <a:srgbClr val="000000"/>
+            <a:srgbClr val="2D2D2D"/>
           </a:solidFill>
           <a:ln w="19050">
             <a:solidFill>
-              <a:srgbClr val="000000"/>
+              <a:srgbClr val="03DAC6"/>
             </a:solidFill>
           </a:ln>
         </p:spPr>
@@ -6807,7 +6807,7 @@
             <a:r>
               <a:rPr sz="2400" b="1" i="0" u="none">
                 <a:solidFill>
-                  <a:srgbClr val="000000"/>
+                  <a:srgbClr val="FFFFFF"/>
                 </a:solidFill>
                 <a:latin typeface="Consolas"/>
               </a:rPr>
@@ -6831,11 +6831,11 @@
             <a:avLst/>
           </a:prstGeom>
           <a:solidFill>
-            <a:srgbClr val="000000"/>
+            <a:srgbClr val="03DAC6"/>
           </a:solidFill>
           <a:ln w="12700">
             <a:solidFill>
-              <a:srgbClr val="000000"/>
+              <a:srgbClr val="03DAC6"/>
             </a:solidFill>
           </a:ln>
         </p:spPr>
@@ -6887,7 +6887,7 @@
             <a:r>
               <a:rPr sz="2800" b="1" i="0" u="none">
                 <a:solidFill>
-                  <a:srgbClr val="000000"/>
+                  <a:srgbClr val="03DAC6"/>
                 </a:solidFill>
                 <a:latin typeface="Segoe UI"/>
               </a:rPr>
@@ -6933,7 +6933,7 @@
             <a:r>
               <a:rPr sz="1400">
                 <a:solidFill>
-                  <a:srgbClr val="000000"/>
+                  <a:srgbClr val="03DAC6"/>
                 </a:solidFill>
                 <a:latin typeface="Consolas"/>
               </a:rPr>
@@ -6943,7 +6943,7 @@
             <a:r>
               <a:rPr sz="1400">
                 <a:solidFill>
-                  <a:srgbClr val="000000"/>
+                  <a:srgbClr val="03DAC6"/>
                 </a:solidFill>
                 <a:latin typeface="Consolas"/>
               </a:rPr>
@@ -6953,7 +6953,7 @@
             <a:r>
               <a:rPr sz="1400">
                 <a:solidFill>
-                  <a:srgbClr val="000000"/>
+                  <a:srgbClr val="03DAC6"/>
                 </a:solidFill>
                 <a:latin typeface="Consolas"/>
               </a:rPr>
@@ -6963,7 +6963,7 @@
             <a:r>
               <a:rPr sz="1400">
                 <a:solidFill>
-                  <a:srgbClr val="000000"/>
+                  <a:srgbClr val="03DAC6"/>
                 </a:solidFill>
                 <a:latin typeface="Consolas"/>
               </a:rPr>
@@ -7010,7 +7010,7 @@
             <a:r>
               <a:rPr sz="1400">
                 <a:solidFill>
-                  <a:srgbClr val="000000"/>
+                  <a:srgbClr val="03DAC6"/>
                 </a:solidFill>
                 <a:latin typeface="Consolas"/>
               </a:rPr>
@@ -7020,7 +7020,7 @@
             <a:r>
               <a:rPr sz="1400">
                 <a:solidFill>
-                  <a:srgbClr val="000000"/>
+                  <a:srgbClr val="03DAC6"/>
                 </a:solidFill>
                 <a:latin typeface="Consolas"/>
               </a:rPr>
@@ -7030,7 +7030,7 @@
             <a:r>
               <a:rPr sz="1400">
                 <a:solidFill>
-                  <a:srgbClr val="000000"/>
+                  <a:srgbClr val="03DAC6"/>
                 </a:solidFill>
                 <a:latin typeface="Consolas"/>
               </a:rPr>

--- a/strings_in_cpp.pptx
+++ b/strings_in_cpp.pptx
@@ -3108,7 +3108,7 @@
         </p:nvSpPr>
         <p:spPr>
           <a:xfrm>
-            <a:off x="2743200" y="3200400"/>
+            <a:off x="914400" y="3200400"/>
             <a:ext cx="6400800" cy="1371600"/>
           </a:xfrm>
           <a:prstGeom prst="rect">
